--- a/Autumn 2023/Engineering Economics/Student bios template v1.pptx
+++ b/Autumn 2023/Engineering Economics/Student bios template v1.pptx
@@ -251,7 +251,7 @@
               <a:pPr>
                 <a:defRPr/>
               </a:pPr>
-              <a:t>8/24/2023</a:t>
+              <a:t>8/29/2023</a:t>
             </a:fld>
             <a:endParaRPr lang="en-US"/>
           </a:p>
@@ -753,7 +753,7 @@
               <a:pPr>
                 <a:defRPr/>
               </a:pPr>
-              <a:t>8/24/2023</a:t>
+              <a:t>8/29/2023</a:t>
             </a:fld>
             <a:endParaRPr lang="en-US"/>
           </a:p>
@@ -943,7 +943,7 @@
               <a:pPr>
                 <a:defRPr/>
               </a:pPr>
-              <a:t>8/24/2023</a:t>
+              <a:t>8/29/2023</a:t>
             </a:fld>
             <a:endParaRPr lang="en-US"/>
           </a:p>
@@ -1143,7 +1143,7 @@
               <a:pPr>
                 <a:defRPr/>
               </a:pPr>
-              <a:t>8/24/2023</a:t>
+              <a:t>8/29/2023</a:t>
             </a:fld>
             <a:endParaRPr lang="en-US"/>
           </a:p>
@@ -1333,7 +1333,7 @@
               <a:pPr>
                 <a:defRPr/>
               </a:pPr>
-              <a:t>8/24/2023</a:t>
+              <a:t>8/29/2023</a:t>
             </a:fld>
             <a:endParaRPr lang="en-US"/>
           </a:p>
@@ -1600,7 +1600,7 @@
               <a:pPr>
                 <a:defRPr/>
               </a:pPr>
-              <a:t>8/24/2023</a:t>
+              <a:t>8/29/2023</a:t>
             </a:fld>
             <a:endParaRPr lang="en-US"/>
           </a:p>
@@ -1907,7 +1907,7 @@
               <a:pPr>
                 <a:defRPr/>
               </a:pPr>
-              <a:t>8/24/2023</a:t>
+              <a:t>8/29/2023</a:t>
             </a:fld>
             <a:endParaRPr lang="en-US"/>
           </a:p>
@@ -2348,7 +2348,7 @@
               <a:pPr>
                 <a:defRPr/>
               </a:pPr>
-              <a:t>8/24/2023</a:t>
+              <a:t>8/29/2023</a:t>
             </a:fld>
             <a:endParaRPr lang="en-US"/>
           </a:p>
@@ -2487,7 +2487,7 @@
               <a:pPr>
                 <a:defRPr/>
               </a:pPr>
-              <a:t>8/24/2023</a:t>
+              <a:t>8/29/2023</a:t>
             </a:fld>
             <a:endParaRPr lang="en-US"/>
           </a:p>
@@ -2604,7 +2604,7 @@
               <a:pPr>
                 <a:defRPr/>
               </a:pPr>
-              <a:t>8/24/2023</a:t>
+              <a:t>8/29/2023</a:t>
             </a:fld>
             <a:endParaRPr lang="en-US"/>
           </a:p>
@@ -2901,7 +2901,7 @@
               <a:pPr>
                 <a:defRPr/>
               </a:pPr>
-              <a:t>8/24/2023</a:t>
+              <a:t>8/29/2023</a:t>
             </a:fld>
             <a:endParaRPr lang="en-US"/>
           </a:p>
@@ -3178,7 +3178,7 @@
               <a:pPr>
                 <a:defRPr/>
               </a:pPr>
-              <a:t>8/24/2023</a:t>
+              <a:t>8/29/2023</a:t>
             </a:fld>
             <a:endParaRPr lang="en-US"/>
           </a:p>
@@ -3433,7 +3433,7 @@
               <a:pPr>
                 <a:defRPr/>
               </a:pPr>
-              <a:t>8/24/2023</a:t>
+              <a:t>8/29/2023</a:t>
             </a:fld>
             <a:endParaRPr lang="en-US"/>
           </a:p>
@@ -4296,23 +4296,26 @@
       </p:sp>
       <p:pic>
         <p:nvPicPr>
-          <p:cNvPr id="2053" name="Picture 7" descr="april 2007 025.jpg"/>
+          <p:cNvPr id="2053" name="Picture 7"/>
           <p:cNvPicPr>
             <a:picLocks noChangeAspect="1"/>
           </p:cNvPicPr>
           <p:nvPr/>
         </p:nvPicPr>
         <p:blipFill>
-          <a:blip r:embed="rId2" cstate="print"/>
-          <a:srcRect l="36667" t="28889" r="37500" b="27779"/>
-          <a:stretch>
-            <a:fillRect/>
-          </a:stretch>
+          <a:blip r:embed="rId2" cstate="print">
+            <a:extLst>
+              <a:ext uri="{28A0092B-C50C-407E-A947-70E740481C1C}">
+                <a14:useLocalDpi xmlns:a14="http://schemas.microsoft.com/office/drawing/2010/main" val="0"/>
+              </a:ext>
+            </a:extLst>
+          </a:blip>
+          <a:stretch/>
         </p:blipFill>
         <p:spPr bwMode="auto">
           <a:xfrm>
-            <a:off x="7543800" y="152400"/>
-            <a:ext cx="1371600" cy="1524000"/>
+            <a:off x="6229998" y="212059"/>
+            <a:ext cx="2627604" cy="1970703"/>
           </a:xfrm>
           <a:prstGeom prst="rect">
             <a:avLst/>
